--- a/presentation-EEdit.pptx
+++ b/presentation-EEdit.pptx
@@ -12,6 +12,7 @@
     <p:sldId id="258" r:id="rId6"/>
     <p:sldId id="262" r:id="rId7"/>
     <p:sldId id="259" r:id="rId8"/>
+    <p:sldId id="263" r:id="rId9"/>
   </p:sldIdLst>
   <p:sldSz cx="12192000" cy="6858000"/>
   <p:notesSz cx="6858000" cy="9144000"/>
@@ -3514,7 +3515,7 @@
           <p:nvPr>
             <p:extLst>
               <p:ext uri="{386F3935-93C4-4BCD-93E2-E3B085C9AB24}">
-                <p16:designElem xmlns:p16="http://schemas.microsoft.com/office/powerpoint/2015/main" xmlns="" val="1"/>
+                <p16:designElem xmlns="" xmlns:p16="http://schemas.microsoft.com/office/powerpoint/2015/main" val="1"/>
               </p:ext>
             </p:extLst>
           </p:nvPr>
@@ -3669,13 +3670,19 @@
             <p:ph type="title"/>
           </p:nvPr>
         </p:nvSpPr>
-        <p:spPr/>
+        <p:spPr>
+          <a:xfrm>
+            <a:off x="1202919" y="284176"/>
+            <a:ext cx="9718123" cy="1508760"/>
+          </a:xfrm>
+        </p:spPr>
         <p:txBody>
           <a:bodyPr>
             <a:normAutofit/>
           </a:bodyPr>
           <a:lstStyle/>
           <a:p>
+            <a:pPr algn="ctr"/>
             <a:r>
               <a:rPr lang="en-US" dirty="0"/>
               <a:t>What Is It?</a:t>
@@ -3701,55 +3708,71 @@
         </p:spPr>
         <p:txBody>
           <a:bodyPr>
-            <a:normAutofit/>
+            <a:normAutofit fontScale="92500" lnSpcReduction="10000"/>
           </a:bodyPr>
           <a:lstStyle/>
           <a:p>
             <a:r>
-              <a:rPr lang="en-US" sz="4400" dirty="0"/>
+              <a:rPr lang="en-US" sz="3600" dirty="0"/>
               <a:t>I</a:t>
             </a:r>
             <a:r>
-              <a:rPr lang="en-US" sz="4400" dirty="0" smtClean="0"/>
+              <a:rPr lang="en-US" sz="3600" dirty="0" smtClean="0"/>
               <a:t>ntuitive and </a:t>
             </a:r>
             <a:r>
-              <a:rPr lang="en-US" sz="4400" dirty="0"/>
+              <a:rPr lang="en-US" sz="3600" dirty="0"/>
               <a:t>easy to use mobile app </a:t>
             </a:r>
-            <a:endParaRPr lang="en-US" sz="4400" dirty="0" smtClean="0"/>
-          </a:p>
-          <a:p>
-            <a:r>
-              <a:rPr lang="en-US" sz="4400" dirty="0" smtClean="0"/>
+            <a:endParaRPr lang="en-US" sz="3600" dirty="0" smtClean="0"/>
+          </a:p>
+          <a:p>
+            <a:endParaRPr lang="en-US" sz="3600" dirty="0" smtClean="0"/>
+          </a:p>
+          <a:p>
+            <a:r>
+              <a:rPr lang="en-US" sz="3600" dirty="0" smtClean="0"/>
               <a:t>Helps caretakers </a:t>
             </a:r>
             <a:r>
-              <a:rPr lang="en-US" sz="4400" dirty="0"/>
-              <a:t>understand kids</a:t>
-            </a:r>
-          </a:p>
-          <a:p>
-            <a:r>
-              <a:rPr lang="en-US" sz="4400" dirty="0" smtClean="0"/>
+              <a:rPr lang="en-US" sz="3600" dirty="0"/>
+              <a:t>understand </a:t>
+            </a:r>
+            <a:r>
+              <a:rPr lang="en-US" sz="3600" dirty="0" smtClean="0"/>
+              <a:t>kids</a:t>
+            </a:r>
+          </a:p>
+          <a:p>
+            <a:pPr marL="0" indent="0">
+              <a:buNone/>
+            </a:pPr>
+            <a:endParaRPr lang="en-US" sz="3600" dirty="0"/>
+          </a:p>
+          <a:p>
+            <a:r>
+              <a:rPr lang="en-US" sz="3600" dirty="0" smtClean="0"/>
               <a:t>Can retain </a:t>
             </a:r>
             <a:r>
-              <a:rPr lang="en-US" sz="4400" dirty="0"/>
+              <a:rPr lang="en-US" sz="3600" dirty="0"/>
               <a:t>unique language of each </a:t>
             </a:r>
             <a:r>
-              <a:rPr lang="en-US" sz="4400" dirty="0" smtClean="0"/>
+              <a:rPr lang="en-US" sz="3600" dirty="0" smtClean="0"/>
               <a:t>child</a:t>
             </a:r>
           </a:p>
           <a:p>
-            <a:r>
-              <a:rPr lang="en-US" sz="4400" dirty="0" smtClean="0"/>
+            <a:endParaRPr lang="en-US" sz="3600" dirty="0" smtClean="0"/>
+          </a:p>
+          <a:p>
+            <a:r>
+              <a:rPr lang="en-US" sz="3600" dirty="0" smtClean="0"/>
               <a:t>All made </a:t>
             </a:r>
             <a:r>
-              <a:rPr lang="en-US" sz="4400" dirty="0"/>
+              <a:rPr lang="en-US" sz="3600" dirty="0"/>
               <a:t>available to caretakers</a:t>
             </a:r>
           </a:p>
@@ -3800,6 +3823,7 @@
           <a:bodyPr/>
           <a:lstStyle/>
           <a:p>
+            <a:pPr algn="ctr"/>
             <a:r>
               <a:rPr lang="en-US" dirty="0"/>
               <a:t>How it works</a:t>
@@ -3830,67 +3854,73 @@
           <a:lstStyle/>
           <a:p>
             <a:r>
-              <a:rPr lang="en-US" sz="3600" dirty="0"/>
+              <a:rPr lang="en-US" sz="3300" dirty="0"/>
               <a:t>Initial: </a:t>
             </a:r>
             <a:r>
-              <a:rPr lang="en-US" sz="3600" dirty="0" smtClean="0"/>
+              <a:rPr lang="en-US" sz="3300" dirty="0" smtClean="0"/>
               <a:t>Users input </a:t>
             </a:r>
             <a:r>
-              <a:rPr lang="en-US" sz="3600" dirty="0"/>
+              <a:rPr lang="en-US" sz="3300" dirty="0"/>
               <a:t>audio data of </a:t>
             </a:r>
             <a:r>
-              <a:rPr lang="en-US" sz="3600" dirty="0" smtClean="0"/>
+              <a:rPr lang="en-US" sz="3300" dirty="0" smtClean="0"/>
               <a:t>phrases </a:t>
             </a:r>
-            <a:endParaRPr lang="en-US" sz="3600" dirty="0"/>
-          </a:p>
-          <a:p>
-            <a:r>
-              <a:rPr lang="en-US" sz="3600" dirty="0"/>
+            <a:endParaRPr lang="en-US" sz="3300" dirty="0" smtClean="0"/>
+          </a:p>
+          <a:p>
+            <a:endParaRPr lang="en-US" sz="3300" dirty="0"/>
+          </a:p>
+          <a:p>
+            <a:r>
+              <a:rPr lang="en-US" sz="3300" dirty="0"/>
               <a:t>Translation: </a:t>
             </a:r>
             <a:r>
-              <a:rPr lang="en-US" sz="3600" dirty="0" smtClean="0"/>
+              <a:rPr lang="en-US" sz="3300" dirty="0" smtClean="0"/>
               <a:t>Caretaker/Parent records </a:t>
             </a:r>
             <a:r>
-              <a:rPr lang="en-US" sz="3600" dirty="0"/>
+              <a:rPr lang="en-US" sz="3300" dirty="0"/>
               <a:t>the child </a:t>
             </a:r>
             <a:r>
-              <a:rPr lang="en-US" sz="3600" dirty="0" smtClean="0"/>
+              <a:rPr lang="en-US" sz="3300" dirty="0" smtClean="0"/>
               <a:t>speaking</a:t>
             </a:r>
           </a:p>
           <a:p>
             <a:pPr lvl="1"/>
             <a:r>
-              <a:rPr lang="en-US" sz="3400" dirty="0" smtClean="0"/>
-              <a:t>This is </a:t>
-            </a:r>
-            <a:r>
-              <a:rPr lang="en-US" sz="3400" dirty="0" smtClean="0"/>
-              <a:t>translated to text</a:t>
-            </a:r>
-            <a:endParaRPr lang="en-US" sz="3400" dirty="0"/>
-          </a:p>
-          <a:p>
-            <a:r>
-              <a:rPr lang="en-US" sz="3600" dirty="0" smtClean="0"/>
+              <a:rPr lang="en-US" sz="3300" dirty="0" smtClean="0"/>
+              <a:t>This is translated to </a:t>
+            </a:r>
+            <a:r>
+              <a:rPr lang="en-US" sz="3300" dirty="0" smtClean="0"/>
+              <a:t>text</a:t>
+            </a:r>
+          </a:p>
+          <a:p>
+            <a:pPr lvl="1"/>
+            <a:endParaRPr lang="en-US" sz="3300" dirty="0"/>
+          </a:p>
+          <a:p>
+            <a:r>
+              <a:rPr lang="en-US" sz="3300" dirty="0" smtClean="0"/>
               <a:t>Editing: Translations can </a:t>
             </a:r>
             <a:r>
-              <a:rPr lang="en-US" sz="3600" dirty="0"/>
+              <a:rPr lang="en-US" sz="3300" dirty="0"/>
               <a:t>be edited if </a:t>
             </a:r>
             <a:r>
-              <a:rPr lang="en-US" sz="3600" dirty="0" smtClean="0"/>
+              <a:rPr lang="en-US" sz="3300" dirty="0" smtClean="0"/>
               <a:t>incorrect</a:t>
             </a:r>
-            <a:endParaRPr lang="en-US" sz="3600" dirty="0"/>
+            <a:endParaRPr lang="en-US" sz="3300" dirty="0"/>
           </a:p>
         </p:txBody>
       </p:sp>
@@ -3939,13 +3969,14 @@
           <a:bodyPr/>
           <a:lstStyle/>
           <a:p>
-            <a:r>
-              <a:rPr lang="en-US" dirty="0" err="1"/>
-              <a:t>ScreenShots</a:t>
+            <a:pPr algn="ctr"/>
+            <a:r>
+              <a:rPr lang="en-US" dirty="0" smtClean="0"/>
+              <a:t>Screenshots </a:t>
             </a:r>
             <a:r>
               <a:rPr lang="en-US" dirty="0"/>
-              <a:t> &amp; DEMO</a:t>
+              <a:t>&amp; DEMO</a:t>
             </a:r>
           </a:p>
         </p:txBody>
@@ -4014,6 +4045,7 @@
           <a:bodyPr/>
           <a:lstStyle/>
           <a:p>
+            <a:pPr algn="ctr"/>
             <a:r>
               <a:rPr lang="en-US" dirty="0"/>
               <a:t>How does it Solve the problem</a:t>
@@ -4034,86 +4066,86 @@
         <p:spPr/>
         <p:txBody>
           <a:bodyPr>
-            <a:normAutofit fontScale="85000" lnSpcReduction="10000"/>
+            <a:normAutofit/>
           </a:bodyPr>
           <a:lstStyle/>
           <a:p>
             <a:r>
-              <a:rPr lang="en-US" sz="4000" dirty="0"/>
+              <a:rPr lang="en-US" sz="3300" dirty="0"/>
               <a:t>A </a:t>
             </a:r>
             <a:r>
-              <a:rPr lang="en-US" sz="4000" dirty="0" smtClean="0"/>
+              <a:rPr lang="en-US" sz="3300" dirty="0" smtClean="0"/>
               <a:t>database </a:t>
             </a:r>
             <a:r>
-              <a:rPr lang="en-US" sz="4000" dirty="0"/>
+              <a:rPr lang="en-US" sz="3300" dirty="0"/>
               <a:t>retains data for </a:t>
             </a:r>
             <a:r>
-              <a:rPr lang="en-US" sz="4000" dirty="0" smtClean="0"/>
+              <a:rPr lang="en-US" sz="3300" dirty="0" smtClean="0"/>
               <a:t>each individual</a:t>
             </a:r>
-            <a:endParaRPr lang="en-US" sz="4000" dirty="0"/>
-          </a:p>
-          <a:p>
-            <a:endParaRPr lang="en-US" sz="4000" dirty="0"/>
-          </a:p>
-          <a:p>
-            <a:r>
-              <a:rPr lang="en-US" sz="4000" dirty="0"/>
+            <a:endParaRPr lang="en-US" sz="3300" dirty="0"/>
+          </a:p>
+          <a:p>
+            <a:endParaRPr lang="en-US" sz="3300" dirty="0"/>
+          </a:p>
+          <a:p>
+            <a:r>
+              <a:rPr lang="en-US" sz="3300" dirty="0"/>
               <a:t>Compares </a:t>
             </a:r>
             <a:r>
-              <a:rPr lang="en-US" sz="4000" dirty="0" smtClean="0"/>
+              <a:rPr lang="en-US" sz="3300" dirty="0" smtClean="0"/>
               <a:t>audio </a:t>
             </a:r>
             <a:r>
-              <a:rPr lang="en-US" sz="4000" dirty="0"/>
+              <a:rPr lang="en-US" sz="3300" dirty="0"/>
               <a:t>data with reference audio </a:t>
             </a:r>
-            <a:endParaRPr lang="en-US" sz="4000" dirty="0" smtClean="0"/>
+            <a:endParaRPr lang="en-US" sz="3300" dirty="0" smtClean="0"/>
           </a:p>
           <a:p>
             <a:pPr lvl="1"/>
             <a:r>
-              <a:rPr lang="en-US" sz="3800" dirty="0" smtClean="0"/>
+              <a:rPr lang="en-US" sz="3300" dirty="0" smtClean="0"/>
               <a:t>This maximizes </a:t>
             </a:r>
             <a:r>
-              <a:rPr lang="en-US" sz="3800" dirty="0"/>
+              <a:rPr lang="en-US" sz="3300" dirty="0"/>
               <a:t>accuracy</a:t>
             </a:r>
           </a:p>
           <a:p>
-            <a:endParaRPr lang="en-US" sz="4000" dirty="0"/>
-          </a:p>
-          <a:p>
-            <a:r>
-              <a:rPr lang="en-US" sz="4000" dirty="0"/>
+            <a:endParaRPr lang="en-US" sz="3300" dirty="0"/>
+          </a:p>
+          <a:p>
+            <a:r>
+              <a:rPr lang="en-US" sz="3300" dirty="0"/>
               <a:t>Each caretaker’s </a:t>
             </a:r>
             <a:r>
-              <a:rPr lang="en-US" sz="4000" dirty="0" smtClean="0"/>
+              <a:rPr lang="en-US" sz="3300" dirty="0" smtClean="0"/>
               <a:t>application </a:t>
             </a:r>
             <a:r>
-              <a:rPr lang="en-US" sz="4000" dirty="0"/>
+              <a:rPr lang="en-US" sz="3300" dirty="0"/>
               <a:t>has their own pool of </a:t>
             </a:r>
             <a:r>
-              <a:rPr lang="en-US" sz="4000" dirty="0" smtClean="0"/>
+              <a:rPr lang="en-US" sz="3300" dirty="0" smtClean="0"/>
               <a:t>children they </a:t>
             </a:r>
             <a:r>
-              <a:rPr lang="en-US" sz="4000" dirty="0"/>
+              <a:rPr lang="en-US" sz="3300" dirty="0"/>
               <a:t>attend </a:t>
             </a:r>
             <a:r>
-              <a:rPr lang="en-US" sz="4000" dirty="0" smtClean="0"/>
+              <a:rPr lang="en-US" sz="3300" dirty="0" smtClean="0"/>
               <a:t>to</a:t>
             </a:r>
-            <a:endParaRPr lang="en-US" sz="4000" dirty="0"/>
+            <a:endParaRPr lang="en-US" sz="3300" dirty="0"/>
           </a:p>
         </p:txBody>
       </p:sp>
@@ -4162,6 +4194,7 @@
           <a:bodyPr/>
           <a:lstStyle/>
           <a:p>
+            <a:pPr algn="ctr"/>
             <a:r>
               <a:rPr lang="en-US" dirty="0" smtClean="0"/>
               <a:t>Future Improvements</a:t>
@@ -4183,61 +4216,57 @@
         <p:spPr/>
         <p:txBody>
           <a:bodyPr>
-            <a:normAutofit fontScale="92500" lnSpcReduction="20000"/>
+            <a:noAutofit/>
           </a:bodyPr>
           <a:lstStyle/>
           <a:p>
             <a:r>
-              <a:rPr lang="en-US" sz="4000" dirty="0" smtClean="0"/>
-              <a:t>Additional s</a:t>
-            </a:r>
-            <a:r>
-              <a:rPr lang="en-US" sz="4000" dirty="0" smtClean="0"/>
-              <a:t>ecurity in data transfer</a:t>
-            </a:r>
-            <a:endParaRPr lang="en-US" sz="4000" dirty="0"/>
-          </a:p>
-          <a:p>
-            <a:endParaRPr lang="en-US" sz="4000" dirty="0"/>
-          </a:p>
-          <a:p>
-            <a:r>
-              <a:rPr lang="en-US" sz="4000" dirty="0" smtClean="0"/>
+              <a:rPr lang="en-US" sz="3300" dirty="0" smtClean="0"/>
+              <a:t>Additional security in data transfer</a:t>
+            </a:r>
+            <a:endParaRPr lang="en-US" sz="3300" dirty="0"/>
+          </a:p>
+          <a:p>
+            <a:endParaRPr lang="en-US" sz="3300" dirty="0"/>
+          </a:p>
+          <a:p>
+            <a:r>
+              <a:rPr lang="en-US" sz="3300" dirty="0" smtClean="0"/>
               <a:t>Improved easy </a:t>
             </a:r>
             <a:r>
-              <a:rPr lang="en-US" sz="4000" dirty="0"/>
+              <a:rPr lang="en-US" sz="3300" dirty="0"/>
               <a:t>to use user interface</a:t>
             </a:r>
           </a:p>
           <a:p>
-            <a:endParaRPr lang="en-US" sz="4000" dirty="0"/>
-          </a:p>
-          <a:p>
-            <a:r>
-              <a:rPr lang="en-US" sz="4000" dirty="0"/>
+            <a:endParaRPr lang="en-US" sz="3300" dirty="0"/>
+          </a:p>
+          <a:p>
+            <a:r>
+              <a:rPr lang="en-US" sz="3300" dirty="0"/>
               <a:t>Accounts for </a:t>
             </a:r>
             <a:r>
-              <a:rPr lang="en-US" sz="4000" dirty="0" smtClean="0"/>
+              <a:rPr lang="en-US" sz="3300" dirty="0" smtClean="0"/>
               <a:t>caretakers</a:t>
             </a:r>
           </a:p>
           <a:p>
-            <a:endParaRPr lang="en-US" sz="4000" dirty="0"/>
-          </a:p>
-          <a:p>
-            <a:r>
-              <a:rPr lang="en-US" sz="4000" dirty="0" smtClean="0"/>
+            <a:endParaRPr lang="en-US" sz="3300" dirty="0"/>
+          </a:p>
+          <a:p>
+            <a:r>
+              <a:rPr lang="en-US" sz="3300" dirty="0" smtClean="0"/>
               <a:t>Heavier Machine Learning</a:t>
             </a:r>
-            <a:endParaRPr lang="en-US" sz="4000" dirty="0"/>
+            <a:endParaRPr lang="en-US" sz="3300" dirty="0"/>
           </a:p>
           <a:p>
             <a:pPr marL="0" indent="0">
               <a:buNone/>
             </a:pPr>
-            <a:endParaRPr lang="en-US" dirty="0"/>
+            <a:endParaRPr lang="en-US" sz="3300" dirty="0"/>
           </a:p>
         </p:txBody>
       </p:sp>
@@ -4286,6 +4315,7 @@
           <a:bodyPr/>
           <a:lstStyle/>
           <a:p>
+            <a:pPr algn="ctr"/>
             <a:r>
               <a:rPr lang="en-US" dirty="0"/>
               <a:t>Future </a:t>
@@ -4319,52 +4349,52 @@
         <p:spPr/>
         <p:txBody>
           <a:bodyPr>
-            <a:normAutofit fontScale="92500" lnSpcReduction="10000"/>
+            <a:noAutofit/>
           </a:bodyPr>
           <a:lstStyle/>
           <a:p>
             <a:r>
-              <a:rPr lang="en-US" sz="3600" dirty="0"/>
+              <a:rPr lang="en-US" sz="3300" dirty="0"/>
               <a:t>Audio fingerprinting </a:t>
             </a:r>
           </a:p>
           <a:p>
-            <a:endParaRPr lang="en-US" sz="3600" dirty="0"/>
-          </a:p>
-          <a:p>
-            <a:r>
-              <a:rPr lang="en-US" sz="3600" dirty="0"/>
+            <a:endParaRPr lang="en-US" sz="3300" dirty="0"/>
+          </a:p>
+          <a:p>
+            <a:r>
+              <a:rPr lang="en-US" sz="3300" dirty="0"/>
               <a:t>iOS development</a:t>
             </a:r>
           </a:p>
           <a:p>
-            <a:endParaRPr lang="en-US" sz="3600" dirty="0"/>
-          </a:p>
-          <a:p>
-            <a:r>
-              <a:rPr lang="en-US" sz="3600" dirty="0"/>
+            <a:endParaRPr lang="en-US" sz="3300" dirty="0"/>
+          </a:p>
+          <a:p>
+            <a:r>
+              <a:rPr lang="en-US" sz="3300" dirty="0"/>
               <a:t>Improve on comparison algorithm</a:t>
             </a:r>
           </a:p>
           <a:p>
-            <a:endParaRPr lang="en-US" sz="3600" dirty="0"/>
-          </a:p>
-          <a:p>
-            <a:r>
-              <a:rPr lang="en-US" sz="3600" dirty="0"/>
+            <a:endParaRPr lang="en-US" sz="3300" dirty="0"/>
+          </a:p>
+          <a:p>
+            <a:r>
+              <a:rPr lang="en-US" sz="3300" dirty="0"/>
               <a:t>Statistical </a:t>
             </a:r>
             <a:r>
-              <a:rPr lang="en-US" sz="3600" dirty="0" smtClean="0"/>
+              <a:rPr lang="en-US" sz="3300" dirty="0" smtClean="0"/>
               <a:t>reports </a:t>
             </a:r>
-            <a:endParaRPr lang="en-US" sz="3600" dirty="0"/>
+            <a:endParaRPr lang="en-US" sz="3300" dirty="0"/>
           </a:p>
           <a:p>
             <a:pPr marL="0" indent="0">
               <a:buNone/>
             </a:pPr>
-            <a:endParaRPr lang="en-US" dirty="0"/>
+            <a:endParaRPr lang="en-US" sz="3300" dirty="0"/>
           </a:p>
         </p:txBody>
       </p:sp>
@@ -4372,6 +4402,87 @@
     <p:extLst>
       <p:ext uri="{BB962C8B-B14F-4D97-AF65-F5344CB8AC3E}">
         <p14:creationId xmlns:p14="http://schemas.microsoft.com/office/powerpoint/2010/main" val="3780104009"/>
+      </p:ext>
+    </p:extLst>
+  </p:cSld>
+  <p:clrMapOvr>
+    <a:masterClrMapping/>
+  </p:clrMapOvr>
+</p:sld>
+</file>
+
+<file path=ppt/slides/slide8.xml><?xml version="1.0" encoding="utf-8"?>
+<p:sld xmlns:a="http://schemas.openxmlformats.org/drawingml/2006/main" xmlns:r="http://schemas.openxmlformats.org/officeDocument/2006/relationships" xmlns:p="http://schemas.openxmlformats.org/presentationml/2006/main">
+  <p:cSld>
+    <p:spTree>
+      <p:nvGrpSpPr>
+        <p:cNvPr id="1" name=""/>
+        <p:cNvGrpSpPr/>
+        <p:nvPr/>
+      </p:nvGrpSpPr>
+      <p:grpSpPr>
+        <a:xfrm>
+          <a:off x="0" y="0"/>
+          <a:ext cx="0" cy="0"/>
+          <a:chOff x="0" y="0"/>
+          <a:chExt cx="0" cy="0"/>
+        </a:xfrm>
+      </p:grpSpPr>
+      <p:sp>
+        <p:nvSpPr>
+          <p:cNvPr id="2" name="Title 1"/>
+          <p:cNvSpPr>
+            <a:spLocks noGrp="1"/>
+          </p:cNvSpPr>
+          <p:nvPr>
+            <p:ph type="title"/>
+          </p:nvPr>
+        </p:nvSpPr>
+        <p:spPr/>
+        <p:txBody>
+          <a:bodyPr/>
+          <a:lstStyle/>
+          <a:p>
+            <a:pPr algn="ctr"/>
+            <a:r>
+              <a:rPr lang="en-US" dirty="0" smtClean="0"/>
+              <a:t>Thank You For Listening</a:t>
+            </a:r>
+            <a:endParaRPr lang="en-US" dirty="0"/>
+          </a:p>
+        </p:txBody>
+      </p:sp>
+      <p:sp>
+        <p:nvSpPr>
+          <p:cNvPr id="3" name="Content Placeholder 2"/>
+          <p:cNvSpPr>
+            <a:spLocks noGrp="1"/>
+          </p:cNvSpPr>
+          <p:nvPr>
+            <p:ph idx="1"/>
+          </p:nvPr>
+        </p:nvSpPr>
+        <p:spPr/>
+        <p:txBody>
+          <a:bodyPr>
+            <a:normAutofit/>
+          </a:bodyPr>
+          <a:lstStyle/>
+          <a:p>
+            <a:pPr marL="0" indent="0" algn="ctr">
+              <a:buNone/>
+            </a:pPr>
+            <a:r>
+              <a:rPr lang="en-US" sz="7200" dirty="0"/>
+              <a:t>Questions?</a:t>
+            </a:r>
+          </a:p>
+        </p:txBody>
+      </p:sp>
+    </p:spTree>
+    <p:extLst>
+      <p:ext uri="{BB962C8B-B14F-4D97-AF65-F5344CB8AC3E}">
+        <p14:creationId xmlns:p14="http://schemas.microsoft.com/office/powerpoint/2010/main" val="2321272181"/>
       </p:ext>
     </p:extLst>
   </p:cSld>
